--- a/man/mediator-cheatsheet.pptx
+++ b/man/mediator-cheatsheet.pptx
@@ -310,6 +310,11 @@
       </a:defRPr>
     </a:lvl9pPr>
   </p:defaultTextStyle>
+  <p:extLst>
+    <p:ext uri="{EFAFB233-063F-42B5-8137-9DF3F51BA10A}">
+      <p15:sldGuideLst xmlns:p15="http://schemas.microsoft.com/office/powerpoint/2012/main"/>
+    </p:ext>
+  </p:extLst>
 </p:presentation>
 </file>
 
@@ -2192,7 +2197,7 @@
           </a:ln>
           <a:extLst>
             <a:ext uri="{C572A759-6A51-4108-AA02-DFA0A04FC94B}">
-              <ma14:wrappingTextBoxFlag xmlns:ma14="http://schemas.microsoft.com/office/mac/drawingml/2011/main" xmlns:a14="http://schemas.microsoft.com/office/drawing/2010/main" xmlns:m="http://schemas.openxmlformats.org/officeDocument/2006/math" xmlns="" val="1"/>
+              <ma14:wrappingTextBoxFlag xmlns="" xmlns:m="http://schemas.openxmlformats.org/officeDocument/2006/math" xmlns:a14="http://schemas.microsoft.com/office/drawing/2010/main" xmlns:ma14="http://schemas.microsoft.com/office/mac/drawingml/2011/main" val="1"/>
             </a:ext>
           </a:extLst>
         </p:spPr>
@@ -2231,7 +2236,7 @@
           </a:ln>
           <a:extLst>
             <a:ext uri="{C572A759-6A51-4108-AA02-DFA0A04FC94B}">
-              <ma14:wrappingTextBoxFlag xmlns:ma14="http://schemas.microsoft.com/office/mac/drawingml/2011/main" xmlns:a14="http://schemas.microsoft.com/office/drawing/2010/main" xmlns:m="http://schemas.openxmlformats.org/officeDocument/2006/math" xmlns="" val="1"/>
+              <ma14:wrappingTextBoxFlag xmlns="" xmlns:m="http://schemas.openxmlformats.org/officeDocument/2006/math" xmlns:a14="http://schemas.microsoft.com/office/drawing/2010/main" xmlns:ma14="http://schemas.microsoft.com/office/mac/drawingml/2011/main" val="1"/>
             </a:ext>
           </a:extLst>
         </p:spPr>
@@ -3779,8 +3784,8 @@
         </p:nvSpPr>
         <p:spPr>
           <a:xfrm>
-            <a:off x="4817050" y="4825406"/>
-            <a:ext cx="4361452" cy="5038735"/>
+            <a:off x="4798998" y="4964869"/>
+            <a:ext cx="4361452" cy="5271619"/>
           </a:xfrm>
           <a:prstGeom prst="rect">
             <a:avLst/>
@@ -3915,7 +3920,243 @@
                 </a:solidFill>
                 <a:latin typeface="American Typewriter" panose="02090604020004020304" pitchFamily="18" charset="77"/>
               </a:rPr>
-              <a:t># basic example of mediator usage – using built in test data (example250) available within the package</a:t>
+              <a:t># basic example of mediator usage – using built in example data (</a:t>
+            </a:r>
+            <a:r>
+              <a:rPr lang="en-US" sz="1240" dirty="0" err="1">
+                <a:solidFill>
+                  <a:srgbClr val="010071"/>
+                </a:solidFill>
+                <a:latin typeface="American Typewriter" panose="02090604020004020304" pitchFamily="18" charset="77"/>
+              </a:rPr>
+              <a:t>mediator_example</a:t>
+            </a:r>
+            <a:r>
+              <a:rPr lang="en-US" sz="1240" dirty="0">
+                <a:solidFill>
+                  <a:srgbClr val="010071"/>
+                </a:solidFill>
+                <a:latin typeface="American Typewriter" panose="02090604020004020304" pitchFamily="18" charset="77"/>
+              </a:rPr>
+              <a:t>) available within the package</a:t>
+            </a:r>
+          </a:p>
+          <a:p>
+            <a:pPr marL="0" marR="0" indent="0" algn="l" defTabSz="584200" rtl="0" fontAlgn="auto" latinLnBrk="0" hangingPunct="0">
+              <a:lnSpc>
+                <a:spcPct val="100000"/>
+              </a:lnSpc>
+              <a:spcBef>
+                <a:spcPts val="200"/>
+              </a:spcBef>
+              <a:spcAft>
+                <a:spcPts val="0"/>
+              </a:spcAft>
+              <a:buClrTx/>
+              <a:buSzTx/>
+              <a:buFontTx/>
+              <a:buNone/>
+              <a:tabLst/>
+            </a:pPr>
+            <a:endParaRPr lang="en-US" sz="1240" dirty="0">
+              <a:solidFill>
+                <a:srgbClr val="010071"/>
+              </a:solidFill>
+              <a:latin typeface="American Typewriter" panose="02090604020004020304" pitchFamily="18" charset="77"/>
+            </a:endParaRPr>
+          </a:p>
+          <a:p>
+            <a:r>
+              <a:rPr lang="en-US" sz="1240" dirty="0">
+                <a:solidFill>
+                  <a:srgbClr val="8DD8F6"/>
+                </a:solidFill>
+                <a:latin typeface="American Typewriter" panose="02090604020004020304" pitchFamily="18" charset="77"/>
+              </a:rPr>
+              <a:t>mediator::</a:t>
+            </a:r>
+            <a:r>
+              <a:rPr lang="en-US" sz="1240" dirty="0">
+                <a:solidFill>
+                  <a:schemeClr val="tx1"/>
+                </a:solidFill>
+                <a:latin typeface="American Typewriter" panose="02090604020004020304" pitchFamily="18" charset="77"/>
+              </a:rPr>
+              <a:t>mediator(data = </a:t>
+            </a:r>
+            <a:r>
+              <a:rPr lang="en-US" sz="1240" dirty="0" err="1">
+                <a:solidFill>
+                  <a:schemeClr val="tx1"/>
+                </a:solidFill>
+                <a:latin typeface="American Typewriter" panose="02090604020004020304" pitchFamily="18" charset="77"/>
+              </a:rPr>
+              <a:t>mediation_example</a:t>
+            </a:r>
+            <a:r>
+              <a:rPr lang="en-US" sz="1240" dirty="0">
+                <a:solidFill>
+                  <a:schemeClr val="tx1"/>
+                </a:solidFill>
+                <a:latin typeface="American Typewriter" panose="02090604020004020304" pitchFamily="18" charset="77"/>
+              </a:rPr>
+              <a:t>,</a:t>
+            </a:r>
+          </a:p>
+          <a:p>
+            <a:r>
+              <a:rPr lang="en-US" sz="1240" dirty="0" err="1">
+                <a:solidFill>
+                  <a:schemeClr val="tx1"/>
+                </a:solidFill>
+                <a:latin typeface="American Typewriter" panose="02090604020004020304" pitchFamily="18" charset="77"/>
+              </a:rPr>
+              <a:t>out.model</a:t>
+            </a:r>
+            <a:r>
+              <a:rPr lang="en-US" sz="1240" dirty="0">
+                <a:solidFill>
+                  <a:schemeClr val="tx1"/>
+                </a:solidFill>
+                <a:latin typeface="American Typewriter" panose="02090604020004020304" pitchFamily="18" charset="77"/>
+              </a:rPr>
+              <a:t> = </a:t>
+            </a:r>
+            <a:r>
+              <a:rPr lang="en-US" sz="1240" dirty="0" err="1">
+                <a:solidFill>
+                  <a:schemeClr val="tx1"/>
+                </a:solidFill>
+                <a:latin typeface="American Typewriter" panose="02090604020004020304" pitchFamily="18" charset="77"/>
+              </a:rPr>
+              <a:t>glm</a:t>
+            </a:r>
+            <a:r>
+              <a:rPr lang="en-US" sz="1240" dirty="0">
+                <a:solidFill>
+                  <a:schemeClr val="tx1"/>
+                </a:solidFill>
+                <a:latin typeface="American Typewriter" panose="02090604020004020304" pitchFamily="18" charset="77"/>
+              </a:rPr>
+              <a:t>(y ~ x + m + c + x*m, </a:t>
+            </a:r>
+          </a:p>
+          <a:p>
+            <a:r>
+              <a:rPr lang="en-US" sz="1240" dirty="0">
+                <a:solidFill>
+                  <a:schemeClr val="tx1"/>
+                </a:solidFill>
+                <a:latin typeface="American Typewriter" panose="02090604020004020304" pitchFamily="18" charset="77"/>
+              </a:rPr>
+              <a:t>                        family = “binomial”,</a:t>
+            </a:r>
+          </a:p>
+          <a:p>
+            <a:r>
+              <a:rPr lang="en-US" sz="1240" dirty="0">
+                <a:solidFill>
+                  <a:schemeClr val="tx1"/>
+                </a:solidFill>
+                <a:latin typeface="American Typewriter" panose="02090604020004020304" pitchFamily="18" charset="77"/>
+              </a:rPr>
+              <a:t>                        data = </a:t>
+            </a:r>
+            <a:r>
+              <a:rPr lang="en-US" sz="1240" dirty="0" err="1">
+                <a:solidFill>
+                  <a:schemeClr val="tx1"/>
+                </a:solidFill>
+                <a:latin typeface="American Typewriter" panose="02090604020004020304" pitchFamily="18" charset="77"/>
+              </a:rPr>
+              <a:t>mediation_example</a:t>
+            </a:r>
+            <a:r>
+              <a:rPr lang="en-US" sz="1240" dirty="0">
+                <a:solidFill>
+                  <a:schemeClr val="tx1"/>
+                </a:solidFill>
+                <a:latin typeface="American Typewriter" panose="02090604020004020304" pitchFamily="18" charset="77"/>
+              </a:rPr>
+              <a:t>),</a:t>
+            </a:r>
+          </a:p>
+          <a:p>
+            <a:r>
+              <a:rPr lang="en-US" sz="1240" dirty="0" err="1">
+                <a:solidFill>
+                  <a:schemeClr val="tx1"/>
+                </a:solidFill>
+                <a:latin typeface="American Typewriter" panose="02090604020004020304" pitchFamily="18" charset="77"/>
+              </a:rPr>
+              <a:t>med.model</a:t>
+            </a:r>
+            <a:r>
+              <a:rPr lang="en-US" sz="1240" dirty="0">
+                <a:solidFill>
+                  <a:schemeClr val="tx1"/>
+                </a:solidFill>
+                <a:latin typeface="American Typewriter" panose="02090604020004020304" pitchFamily="18" charset="77"/>
+              </a:rPr>
+              <a:t> = </a:t>
+            </a:r>
+            <a:r>
+              <a:rPr lang="en-US" sz="1240" dirty="0" err="1">
+                <a:solidFill>
+                  <a:schemeClr val="tx1"/>
+                </a:solidFill>
+                <a:latin typeface="American Typewriter" panose="02090604020004020304" pitchFamily="18" charset="77"/>
+              </a:rPr>
+              <a:t>lm</a:t>
+            </a:r>
+            <a:r>
+              <a:rPr lang="en-US" sz="1240" dirty="0">
+                <a:solidFill>
+                  <a:schemeClr val="tx1"/>
+                </a:solidFill>
+                <a:latin typeface="American Typewriter" panose="02090604020004020304" pitchFamily="18" charset="77"/>
+              </a:rPr>
+              <a:t>(m ~ x + c, </a:t>
+            </a:r>
+          </a:p>
+          <a:p>
+            <a:r>
+              <a:rPr lang="en-US" sz="1240" dirty="0">
+                <a:solidFill>
+                  <a:schemeClr val="tx1"/>
+                </a:solidFill>
+                <a:latin typeface="American Typewriter" panose="02090604020004020304" pitchFamily="18" charset="77"/>
+              </a:rPr>
+              <a:t>                          data = </a:t>
+            </a:r>
+            <a:r>
+              <a:rPr lang="en-US" sz="1240" dirty="0" err="1">
+                <a:solidFill>
+                  <a:schemeClr val="tx1"/>
+                </a:solidFill>
+                <a:latin typeface="American Typewriter" panose="02090604020004020304" pitchFamily="18" charset="77"/>
+              </a:rPr>
+              <a:t>mediation_example</a:t>
+            </a:r>
+            <a:r>
+              <a:rPr lang="en-US" sz="1240" dirty="0">
+                <a:solidFill>
+                  <a:schemeClr val="tx1"/>
+                </a:solidFill>
+                <a:latin typeface="American Typewriter" panose="02090604020004020304" pitchFamily="18" charset="77"/>
+              </a:rPr>
+              <a:t>,),</a:t>
+            </a:r>
+          </a:p>
+          <a:p>
+            <a:r>
+              <a:rPr lang="en-US" sz="1240" dirty="0">
+                <a:solidFill>
+                  <a:schemeClr val="tx1"/>
+                </a:solidFill>
+                <a:latin typeface="American Typewriter" panose="02090604020004020304" pitchFamily="18" charset="77"/>
+              </a:rPr>
+              <a:t>treat = "x")</a:t>
             </a:r>
           </a:p>
           <a:p>
@@ -3943,730 +4184,182 @@
             </a:endParaRPr>
           </a:p>
           <a:p>
-            <a:pPr marL="0" marR="0" indent="0" algn="l" defTabSz="584200" rtl="0" fontAlgn="auto" latinLnBrk="0" hangingPunct="0">
-              <a:lnSpc>
-                <a:spcPct val="100000"/>
-              </a:lnSpc>
-              <a:spcBef>
-                <a:spcPts val="200"/>
-              </a:spcBef>
-              <a:spcAft>
-                <a:spcPts val="0"/>
-              </a:spcAft>
-              <a:buClrTx/>
-              <a:buSzTx/>
-              <a:buFontTx/>
-              <a:buNone/>
-              <a:tabLst/>
-            </a:pPr>
             <a:r>
               <a:rPr lang="en-US" sz="1240" dirty="0">
                 <a:solidFill>
+                  <a:schemeClr val="tx1"/>
+                </a:solidFill>
+                <a:latin typeface="American Typewriter" panose="02090604020004020304" pitchFamily="18" charset="77"/>
+              </a:rPr>
+              <a:t># A </a:t>
+            </a:r>
+            <a:r>
+              <a:rPr lang="en-US" sz="1240" dirty="0" err="1">
+                <a:solidFill>
+                  <a:schemeClr val="tx1"/>
+                </a:solidFill>
+                <a:latin typeface="American Typewriter" panose="02090604020004020304" pitchFamily="18" charset="77"/>
+              </a:rPr>
+              <a:t>tibble</a:t>
+            </a:r>
+            <a:r>
+              <a:rPr lang="en-US" sz="1240" dirty="0">
+                <a:solidFill>
+                  <a:schemeClr val="tx1"/>
+                </a:solidFill>
+                <a:latin typeface="American Typewriter" panose="02090604020004020304" pitchFamily="18" charset="77"/>
+              </a:rPr>
+              <a:t>: 5 x 4</a:t>
+            </a:r>
+          </a:p>
+          <a:p>
+            <a:r>
+              <a:rPr lang="en-US" sz="1240" dirty="0">
+                <a:solidFill>
                   <a:srgbClr val="8DD8F6"/>
                 </a:solidFill>
                 <a:latin typeface="American Typewriter" panose="02090604020004020304" pitchFamily="18" charset="77"/>
               </a:rPr>
-              <a:t>mediator::</a:t>
-            </a:r>
+              <a:t>  Effect              Estimate `Lower 95% CI` `Upper 95% CI`</a:t>
+            </a:r>
+          </a:p>
+          <a:p>
             <a:r>
               <a:rPr lang="en-US" sz="1240" dirty="0">
                 <a:solidFill>
-                  <a:schemeClr val="tx1">
-                    <a:lumMod val="50000"/>
-                  </a:schemeClr>
+                  <a:schemeClr val="tx1"/>
                 </a:solidFill>
                 <a:latin typeface="American Typewriter" panose="02090604020004020304" pitchFamily="18" charset="77"/>
               </a:rPr>
-              <a:t>mediator(data = example250,</a:t>
-            </a:r>
-          </a:p>
-          <a:p>
-            <a:pPr marL="0" marR="0" indent="0" algn="l" defTabSz="584200" rtl="0" fontAlgn="auto" latinLnBrk="0" hangingPunct="0">
-              <a:lnSpc>
-                <a:spcPct val="100000"/>
-              </a:lnSpc>
-              <a:spcBef>
-                <a:spcPts val="200"/>
-              </a:spcBef>
-              <a:spcAft>
-                <a:spcPts val="0"/>
-              </a:spcAft>
-              <a:buClrTx/>
-              <a:buSzTx/>
-              <a:buFontTx/>
-              <a:buNone/>
-              <a:tabLst/>
-            </a:pPr>
-            <a:r>
-              <a:rPr kumimoji="0" lang="en-US" sz="1240" b="1" i="0" u="none" strike="noStrike" cap="none" spc="0" normalizeH="0" baseline="0" dirty="0">
-                <a:ln>
-                  <a:noFill/>
-                </a:ln>
-                <a:solidFill>
-                  <a:schemeClr val="tx1">
-                    <a:lumMod val="50000"/>
-                  </a:schemeClr>
-                </a:solidFill>
-                <a:effectLst/>
-                <a:uFillTx/>
+              <a:t>  &lt;</a:t>
+            </a:r>
+            <a:r>
+              <a:rPr lang="en-US" sz="1240" dirty="0" err="1">
+                <a:solidFill>
+                  <a:schemeClr val="tx1"/>
+                </a:solidFill>
                 <a:latin typeface="American Typewriter" panose="02090604020004020304" pitchFamily="18" charset="77"/>
-                <a:sym typeface="Source Sans Pro"/>
-              </a:rPr>
-              <a:t>		       </a:t>
-            </a:r>
-            <a:r>
-              <a:rPr kumimoji="0" lang="en-US" sz="1240" b="1" i="0" u="none" strike="noStrike" cap="none" spc="0" normalizeH="0" baseline="0" dirty="0" err="1">
-                <a:ln>
-                  <a:noFill/>
-                </a:ln>
-                <a:solidFill>
-                  <a:schemeClr val="tx1">
-                    <a:lumMod val="50000"/>
-                  </a:schemeClr>
-                </a:solidFill>
-                <a:effectLst/>
-                <a:uFillTx/>
+              </a:rPr>
+              <a:t>chr</a:t>
+            </a:r>
+            <a:r>
+              <a:rPr lang="en-US" sz="1240" dirty="0">
+                <a:solidFill>
+                  <a:schemeClr val="tx1"/>
+                </a:solidFill>
                 <a:latin typeface="American Typewriter" panose="02090604020004020304" pitchFamily="18" charset="77"/>
-                <a:sym typeface="Source Sans Pro"/>
-              </a:rPr>
-              <a:t>out.model</a:t>
-            </a:r>
-            <a:r>
-              <a:rPr kumimoji="0" lang="en-US" sz="1240" b="1" i="0" u="none" strike="noStrike" cap="none" spc="0" normalizeH="0" baseline="0" dirty="0">
-                <a:ln>
-                  <a:noFill/>
-                </a:ln>
-                <a:solidFill>
-                  <a:schemeClr val="tx1">
-                    <a:lumMod val="50000"/>
-                  </a:schemeClr>
-                </a:solidFill>
-                <a:effectLst/>
-                <a:uFillTx/>
+              </a:rPr>
+              <a:t>&gt;                  &lt;</a:t>
+            </a:r>
+            <a:r>
+              <a:rPr lang="en-US" sz="1240" dirty="0" err="1">
+                <a:solidFill>
+                  <a:schemeClr val="tx1"/>
+                </a:solidFill>
                 <a:latin typeface="American Typewriter" panose="02090604020004020304" pitchFamily="18" charset="77"/>
-                <a:sym typeface="Source Sans Pro"/>
-              </a:rPr>
-              <a:t> = </a:t>
-            </a:r>
-            <a:r>
-              <a:rPr kumimoji="0" lang="en-US" sz="1240" b="1" i="0" u="none" strike="noStrike" cap="none" spc="0" normalizeH="0" baseline="0" dirty="0" err="1">
-                <a:ln>
-                  <a:noFill/>
-                </a:ln>
-                <a:solidFill>
-                  <a:schemeClr val="tx1">
-                    <a:lumMod val="50000"/>
-                  </a:schemeClr>
-                </a:solidFill>
-                <a:effectLst/>
-                <a:uFillTx/>
+              </a:rPr>
+              <a:t>dbl</a:t>
+            </a:r>
+            <a:r>
+              <a:rPr lang="en-US" sz="1240" dirty="0">
+                <a:solidFill>
+                  <a:schemeClr val="tx1"/>
+                </a:solidFill>
                 <a:latin typeface="American Typewriter" panose="02090604020004020304" pitchFamily="18" charset="77"/>
-                <a:sym typeface="Source Sans Pro"/>
-              </a:rPr>
-              <a:t>lm</a:t>
-            </a:r>
-            <a:r>
-              <a:rPr kumimoji="0" lang="en-US" sz="1240" b="1" i="0" u="none" strike="noStrike" cap="none" spc="0" normalizeH="0" baseline="0" dirty="0">
-                <a:ln>
-                  <a:noFill/>
-                </a:ln>
-                <a:solidFill>
-                  <a:schemeClr val="tx1">
-                    <a:lumMod val="50000"/>
-                  </a:schemeClr>
-                </a:solidFill>
-                <a:effectLst/>
-                <a:uFillTx/>
+              </a:rPr>
+              <a:t>&gt;          &lt;</a:t>
+            </a:r>
+            <a:r>
+              <a:rPr lang="en-US" sz="1240" dirty="0" err="1">
+                <a:solidFill>
+                  <a:schemeClr val="tx1"/>
+                </a:solidFill>
                 <a:latin typeface="American Typewriter" panose="02090604020004020304" pitchFamily="18" charset="77"/>
-                <a:sym typeface="Source Sans Pro"/>
-              </a:rPr>
-              <a:t>(</a:t>
+              </a:rPr>
+              <a:t>dbl</a:t>
             </a:r>
             <a:r>
               <a:rPr lang="en-US" sz="1240" dirty="0">
                 <a:solidFill>
-                  <a:schemeClr val="tx1">
-                    <a:lumMod val="50000"/>
-                  </a:schemeClr>
+                  <a:schemeClr val="tx1"/>
                 </a:solidFill>
                 <a:latin typeface="American Typewriter" panose="02090604020004020304" pitchFamily="18" charset="77"/>
               </a:rPr>
-              <a:t>y ~ x + c + m + x*c,</a:t>
-            </a:r>
-          </a:p>
-          <a:p>
-            <a:pPr marL="0" marR="0" indent="0" algn="l" defTabSz="584200" rtl="0" fontAlgn="auto" latinLnBrk="0" hangingPunct="0">
-              <a:lnSpc>
-                <a:spcPct val="100000"/>
-              </a:lnSpc>
-              <a:spcBef>
-                <a:spcPts val="200"/>
-              </a:spcBef>
-              <a:spcAft>
-                <a:spcPts val="0"/>
-              </a:spcAft>
-              <a:buClrTx/>
-              <a:buSzTx/>
-              <a:buFontTx/>
-              <a:buNone/>
-              <a:tabLst/>
-            </a:pPr>
+              <a:t>&gt;          &lt;</a:t>
+            </a:r>
+            <a:r>
+              <a:rPr lang="en-US" sz="1240" dirty="0" err="1">
+                <a:solidFill>
+                  <a:schemeClr val="tx1"/>
+                </a:solidFill>
+                <a:latin typeface="American Typewriter" panose="02090604020004020304" pitchFamily="18" charset="77"/>
+              </a:rPr>
+              <a:t>dbl</a:t>
+            </a:r>
             <a:r>
               <a:rPr lang="en-US" sz="1240" dirty="0">
                 <a:solidFill>
-                  <a:schemeClr val="tx1">
-                    <a:lumMod val="50000"/>
-                  </a:schemeClr>
+                  <a:schemeClr val="tx1"/>
                 </a:solidFill>
                 <a:latin typeface="American Typewriter" panose="02090604020004020304" pitchFamily="18" charset="77"/>
               </a:rPr>
-              <a:t>			data = example250),</a:t>
-            </a:r>
-          </a:p>
-          <a:p>
-            <a:pPr marL="0" marR="0" indent="0" algn="l" defTabSz="584200" rtl="0" fontAlgn="auto" latinLnBrk="0" hangingPunct="0">
-              <a:lnSpc>
-                <a:spcPct val="100000"/>
-              </a:lnSpc>
-              <a:spcBef>
-                <a:spcPts val="200"/>
-              </a:spcBef>
-              <a:spcAft>
-                <a:spcPts val="0"/>
-              </a:spcAft>
-              <a:buClrTx/>
-              <a:buSzTx/>
-              <a:buFontTx/>
-              <a:buNone/>
-              <a:tabLst/>
-            </a:pPr>
-            <a:r>
-              <a:rPr kumimoji="0" lang="en-US" sz="1240" b="1" i="0" u="none" strike="noStrike" cap="none" spc="0" normalizeH="0" baseline="0" dirty="0">
-                <a:ln>
-                  <a:noFill/>
-                </a:ln>
-                <a:solidFill>
-                  <a:schemeClr val="tx1">
-                    <a:lumMod val="50000"/>
-                  </a:schemeClr>
-                </a:solidFill>
-                <a:effectLst/>
-                <a:uFillTx/>
+              <a:t>&gt;</a:t>
+            </a:r>
+          </a:p>
+          <a:p>
+            <a:r>
+              <a:rPr lang="en-US" sz="1240" dirty="0">
+                <a:solidFill>
+                  <a:srgbClr val="8DD8F6"/>
+                </a:solidFill>
                 <a:latin typeface="American Typewriter" panose="02090604020004020304" pitchFamily="18" charset="77"/>
-                <a:sym typeface="Source Sans Pro"/>
-              </a:rPr>
-              <a:t>		       </a:t>
-            </a:r>
-            <a:r>
-              <a:rPr kumimoji="0" lang="en-US" sz="1240" b="1" i="0" u="none" strike="noStrike" cap="none" spc="0" normalizeH="0" baseline="0" dirty="0" err="1">
-                <a:ln>
-                  <a:noFill/>
-                </a:ln>
-                <a:solidFill>
-                  <a:schemeClr val="tx1">
-                    <a:lumMod val="50000"/>
-                  </a:schemeClr>
-                </a:solidFill>
-                <a:effectLst/>
-                <a:uFillTx/>
+              </a:rPr>
+              <a:t>1 CDE                    1.01           0.314           3.22</a:t>
+            </a:r>
+          </a:p>
+          <a:p>
+            <a:r>
+              <a:rPr lang="en-US" sz="1240" dirty="0">
+                <a:solidFill>
+                  <a:srgbClr val="8DD8F6"/>
+                </a:solidFill>
                 <a:latin typeface="American Typewriter" panose="02090604020004020304" pitchFamily="18" charset="77"/>
-                <a:sym typeface="Source Sans Pro"/>
-              </a:rPr>
-              <a:t>med.model</a:t>
-            </a:r>
-            <a:r>
-              <a:rPr kumimoji="0" lang="en-US" sz="1240" b="1" i="0" u="none" strike="noStrike" cap="none" spc="0" normalizeH="0" baseline="0" dirty="0">
-                <a:ln>
-                  <a:noFill/>
-                </a:ln>
-                <a:solidFill>
-                  <a:schemeClr val="tx1">
-                    <a:lumMod val="50000"/>
-                  </a:schemeClr>
-                </a:solidFill>
-                <a:effectLst/>
-                <a:uFillTx/>
+              </a:rPr>
+              <a:t>2 NDE                    0.620          0.224           1.72</a:t>
+            </a:r>
+          </a:p>
+          <a:p>
+            <a:r>
+              <a:rPr lang="en-US" sz="1240" dirty="0">
+                <a:solidFill>
+                  <a:srgbClr val="8DD8F6"/>
+                </a:solidFill>
                 <a:latin typeface="American Typewriter" panose="02090604020004020304" pitchFamily="18" charset="77"/>
-                <a:sym typeface="Source Sans Pro"/>
-              </a:rPr>
-              <a:t> = </a:t>
-            </a:r>
-            <a:r>
-              <a:rPr kumimoji="0" lang="en-US" sz="1240" b="1" i="0" u="none" strike="noStrike" cap="none" spc="0" normalizeH="0" baseline="0" dirty="0" err="1">
-                <a:ln>
-                  <a:noFill/>
-                </a:ln>
-                <a:solidFill>
-                  <a:schemeClr val="tx1">
-                    <a:lumMod val="50000"/>
-                  </a:schemeClr>
-                </a:solidFill>
-                <a:effectLst/>
-                <a:uFillTx/>
+              </a:rPr>
+              <a:t>3 NIE                    0.803          0.506           1.27</a:t>
+            </a:r>
+          </a:p>
+          <a:p>
+            <a:r>
+              <a:rPr lang="en-US" sz="1240" dirty="0">
+                <a:solidFill>
+                  <a:srgbClr val="8DD8F6"/>
+                </a:solidFill>
                 <a:latin typeface="American Typewriter" panose="02090604020004020304" pitchFamily="18" charset="77"/>
-                <a:sym typeface="Source Sans Pro"/>
-              </a:rPr>
-              <a:t>lm</a:t>
-            </a:r>
-            <a:r>
-              <a:rPr kumimoji="0" lang="en-US" sz="1240" b="1" i="0" u="none" strike="noStrike" cap="none" spc="0" normalizeH="0" baseline="0" dirty="0">
-                <a:ln>
-                  <a:noFill/>
-                </a:ln>
-                <a:solidFill>
-                  <a:schemeClr val="tx1">
-                    <a:lumMod val="50000"/>
-                  </a:schemeClr>
-                </a:solidFill>
-                <a:effectLst/>
-                <a:uFillTx/>
+              </a:rPr>
+              <a:t>4 Total Effect           0.498          0.103           2.40</a:t>
+            </a:r>
+          </a:p>
+          <a:p>
+            <a:r>
+              <a:rPr lang="en-US" sz="1240" dirty="0">
+                <a:solidFill>
+                  <a:srgbClr val="8DD8F6"/>
+                </a:solidFill>
                 <a:latin typeface="American Typewriter" panose="02090604020004020304" pitchFamily="18" charset="77"/>
-                <a:sym typeface="Source Sans Pro"/>
-              </a:rPr>
-              <a:t>(c ~ x + m,</a:t>
-            </a:r>
-          </a:p>
-          <a:p>
-            <a:pPr marL="0" marR="0" indent="0" algn="l" defTabSz="584200" rtl="0" fontAlgn="auto" latinLnBrk="0" hangingPunct="0">
-              <a:lnSpc>
-                <a:spcPct val="100000"/>
-              </a:lnSpc>
-              <a:spcBef>
-                <a:spcPts val="200"/>
-              </a:spcBef>
-              <a:spcAft>
-                <a:spcPts val="0"/>
-              </a:spcAft>
-              <a:buClrTx/>
-              <a:buSzTx/>
-              <a:buFontTx/>
-              <a:buNone/>
-              <a:tabLst/>
-            </a:pPr>
-            <a:r>
-              <a:rPr lang="en-US" sz="1240" dirty="0">
-                <a:solidFill>
-                  <a:schemeClr val="tx1">
-                    <a:lumMod val="50000"/>
-                  </a:schemeClr>
-                </a:solidFill>
-                <a:latin typeface="American Typewriter" panose="02090604020004020304" pitchFamily="18" charset="77"/>
-              </a:rPr>
-              <a:t>                                                 d</a:t>
-            </a:r>
-            <a:r>
-              <a:rPr kumimoji="0" lang="en-US" sz="1240" b="1" i="0" u="none" strike="noStrike" cap="none" spc="0" normalizeH="0" baseline="0" dirty="0">
-                <a:ln>
-                  <a:noFill/>
-                </a:ln>
-                <a:solidFill>
-                  <a:schemeClr val="tx1">
-                    <a:lumMod val="50000"/>
-                  </a:schemeClr>
-                </a:solidFill>
-                <a:effectLst/>
-                <a:uFillTx/>
-                <a:latin typeface="American Typewriter" panose="02090604020004020304" pitchFamily="18" charset="77"/>
-                <a:sym typeface="Source Sans Pro"/>
-              </a:rPr>
-              <a:t>ata = example250),</a:t>
-            </a:r>
-          </a:p>
-          <a:p>
-            <a:pPr marL="0" marR="0" indent="0" algn="l" defTabSz="584200" rtl="0" fontAlgn="auto" latinLnBrk="0" hangingPunct="0">
-              <a:lnSpc>
-                <a:spcPct val="100000"/>
-              </a:lnSpc>
-              <a:spcBef>
-                <a:spcPts val="200"/>
-              </a:spcBef>
-              <a:spcAft>
-                <a:spcPts val="0"/>
-              </a:spcAft>
-              <a:buClrTx/>
-              <a:buSzTx/>
-              <a:buFontTx/>
-              <a:buNone/>
-              <a:tabLst/>
-            </a:pPr>
-            <a:r>
-              <a:rPr kumimoji="0" lang="en-US" sz="1240" b="1" i="0" u="none" strike="noStrike" cap="none" spc="0" normalizeH="0" baseline="0" dirty="0">
-                <a:ln>
-                  <a:noFill/>
-                </a:ln>
-                <a:solidFill>
-                  <a:schemeClr val="tx1">
-                    <a:lumMod val="50000"/>
-                  </a:schemeClr>
-                </a:solidFill>
-                <a:effectLst/>
-                <a:uFillTx/>
-                <a:latin typeface="American Typewriter" panose="02090604020004020304" pitchFamily="18" charset="77"/>
-                <a:sym typeface="Source Sans Pro"/>
-              </a:rPr>
-              <a:t> 	                    treat = “x”)</a:t>
-            </a:r>
-          </a:p>
-          <a:p>
-            <a:pPr marL="0" marR="0" indent="0" algn="l" defTabSz="584200" rtl="0" fontAlgn="auto" latinLnBrk="0" hangingPunct="0">
-              <a:lnSpc>
-                <a:spcPct val="100000"/>
-              </a:lnSpc>
-              <a:spcBef>
-                <a:spcPts val="200"/>
-              </a:spcBef>
-              <a:spcAft>
-                <a:spcPts val="0"/>
-              </a:spcAft>
-              <a:buClrTx/>
-              <a:buSzTx/>
-              <a:buFontTx/>
-              <a:buNone/>
-              <a:tabLst/>
-            </a:pPr>
-            <a:endParaRPr lang="en-US" dirty="0">
-              <a:latin typeface="Franklin Gothic Book" panose="020B0503020102020204" pitchFamily="34" charset="0"/>
-            </a:endParaRPr>
-          </a:p>
-          <a:p>
-            <a:pPr marL="0" marR="0" indent="0" algn="l" defTabSz="584200" rtl="0" fontAlgn="auto" latinLnBrk="0" hangingPunct="0">
-              <a:lnSpc>
-                <a:spcPct val="100000"/>
-              </a:lnSpc>
-              <a:spcBef>
-                <a:spcPts val="200"/>
-              </a:spcBef>
-              <a:spcAft>
-                <a:spcPts val="0"/>
-              </a:spcAft>
-              <a:buClrTx/>
-              <a:buSzTx/>
-              <a:buFontTx/>
-              <a:buNone/>
-              <a:tabLst/>
-            </a:pPr>
-            <a:endParaRPr kumimoji="0" lang="en-US" b="1" i="0" u="none" strike="noStrike" cap="none" spc="0" normalizeH="0" baseline="0" dirty="0">
-              <a:ln>
-                <a:noFill/>
-              </a:ln>
-              <a:solidFill>
-                <a:srgbClr val="4C4C4C"/>
-              </a:solidFill>
-              <a:effectLst/>
-              <a:uFillTx/>
-              <a:latin typeface="Franklin Gothic Book" panose="020B0503020102020204" pitchFamily="34" charset="0"/>
-              <a:sym typeface="Source Sans Pro"/>
-            </a:endParaRPr>
-          </a:p>
-          <a:p>
-            <a:r>
-              <a:rPr lang="en-US" dirty="0">
-                <a:solidFill>
-                  <a:schemeClr val="tx1">
-                    <a:lumMod val="50000"/>
-                  </a:schemeClr>
-                </a:solidFill>
-                <a:latin typeface="American Typewriter" panose="02090604020004020304" pitchFamily="18" charset="77"/>
-              </a:rPr>
-              <a:t># A </a:t>
-            </a:r>
-            <a:r>
-              <a:rPr lang="en-US" dirty="0" err="1">
-                <a:solidFill>
-                  <a:schemeClr val="tx1">
-                    <a:lumMod val="50000"/>
-                  </a:schemeClr>
-                </a:solidFill>
-                <a:latin typeface="American Typewriter" panose="02090604020004020304" pitchFamily="18" charset="77"/>
-              </a:rPr>
-              <a:t>tibble</a:t>
-            </a:r>
-            <a:r>
-              <a:rPr lang="en-US" dirty="0">
-                <a:solidFill>
-                  <a:schemeClr val="tx1">
-                    <a:lumMod val="50000"/>
-                  </a:schemeClr>
-                </a:solidFill>
-                <a:latin typeface="American Typewriter" panose="02090604020004020304" pitchFamily="18" charset="77"/>
-              </a:rPr>
-              <a:t>: 5 x 4</a:t>
-            </a:r>
-          </a:p>
-          <a:p>
-            <a:r>
-              <a:rPr lang="en-US" dirty="0">
-                <a:latin typeface="American Typewriter" panose="02090604020004020304" pitchFamily="18" charset="77"/>
-              </a:rPr>
-              <a:t>  </a:t>
-            </a:r>
-            <a:r>
-              <a:rPr lang="en-US" dirty="0">
-                <a:solidFill>
-                  <a:srgbClr val="8DD8F6"/>
-                </a:solidFill>
-                <a:latin typeface="American Typewriter" panose="02090604020004020304" pitchFamily="18" charset="77"/>
-              </a:rPr>
-              <a:t>Effect              Estimate `Lower 95% CI` `Upper 95% CI`</a:t>
-            </a:r>
-          </a:p>
-          <a:p>
-            <a:r>
-              <a:rPr lang="en-US" dirty="0">
-                <a:solidFill>
-                  <a:schemeClr val="tx1">
-                    <a:lumMod val="50000"/>
-                  </a:schemeClr>
-                </a:solidFill>
-                <a:latin typeface="American Typewriter" panose="02090604020004020304" pitchFamily="18" charset="77"/>
-              </a:rPr>
-              <a:t>  &lt;</a:t>
-            </a:r>
-            <a:r>
-              <a:rPr lang="en-US" dirty="0" err="1">
-                <a:solidFill>
-                  <a:schemeClr val="tx1">
-                    <a:lumMod val="50000"/>
-                  </a:schemeClr>
-                </a:solidFill>
-                <a:latin typeface="American Typewriter" panose="02090604020004020304" pitchFamily="18" charset="77"/>
-              </a:rPr>
-              <a:t>chr</a:t>
-            </a:r>
-            <a:r>
-              <a:rPr lang="en-US" dirty="0">
-                <a:solidFill>
-                  <a:schemeClr val="tx1">
-                    <a:lumMod val="50000"/>
-                  </a:schemeClr>
-                </a:solidFill>
-                <a:latin typeface="American Typewriter" panose="02090604020004020304" pitchFamily="18" charset="77"/>
-              </a:rPr>
-              <a:t>&gt;                  &lt;</a:t>
-            </a:r>
-            <a:r>
-              <a:rPr lang="en-US" dirty="0" err="1">
-                <a:solidFill>
-                  <a:schemeClr val="tx1">
-                    <a:lumMod val="50000"/>
-                  </a:schemeClr>
-                </a:solidFill>
-                <a:latin typeface="American Typewriter" panose="02090604020004020304" pitchFamily="18" charset="77"/>
-              </a:rPr>
-              <a:t>dbl</a:t>
-            </a:r>
-            <a:r>
-              <a:rPr lang="en-US" dirty="0">
-                <a:solidFill>
-                  <a:schemeClr val="tx1">
-                    <a:lumMod val="50000"/>
-                  </a:schemeClr>
-                </a:solidFill>
-                <a:latin typeface="American Typewriter" panose="02090604020004020304" pitchFamily="18" charset="77"/>
-              </a:rPr>
-              <a:t>&gt;          &lt;</a:t>
-            </a:r>
-            <a:r>
-              <a:rPr lang="en-US" dirty="0" err="1">
-                <a:solidFill>
-                  <a:schemeClr val="tx1">
-                    <a:lumMod val="50000"/>
-                  </a:schemeClr>
-                </a:solidFill>
-                <a:latin typeface="American Typewriter" panose="02090604020004020304" pitchFamily="18" charset="77"/>
-              </a:rPr>
-              <a:t>dbl</a:t>
-            </a:r>
-            <a:r>
-              <a:rPr lang="en-US" dirty="0">
-                <a:solidFill>
-                  <a:schemeClr val="tx1">
-                    <a:lumMod val="50000"/>
-                  </a:schemeClr>
-                </a:solidFill>
-                <a:latin typeface="American Typewriter" panose="02090604020004020304" pitchFamily="18" charset="77"/>
-              </a:rPr>
-              <a:t>&gt;          &lt;</a:t>
-            </a:r>
-            <a:r>
-              <a:rPr lang="en-US" dirty="0" err="1">
-                <a:solidFill>
-                  <a:schemeClr val="tx1">
-                    <a:lumMod val="50000"/>
-                  </a:schemeClr>
-                </a:solidFill>
-                <a:latin typeface="American Typewriter" panose="02090604020004020304" pitchFamily="18" charset="77"/>
-              </a:rPr>
-              <a:t>dbl</a:t>
-            </a:r>
-            <a:r>
-              <a:rPr lang="en-US" dirty="0">
-                <a:solidFill>
-                  <a:schemeClr val="tx1">
-                    <a:lumMod val="50000"/>
-                  </a:schemeClr>
-                </a:solidFill>
-                <a:latin typeface="American Typewriter" panose="02090604020004020304" pitchFamily="18" charset="77"/>
-              </a:rPr>
-              <a:t>&gt;</a:t>
-            </a:r>
-          </a:p>
-          <a:p>
-            <a:r>
-              <a:rPr lang="en-US" dirty="0">
-                <a:solidFill>
-                  <a:schemeClr val="tx1">
-                    <a:lumMod val="50000"/>
-                  </a:schemeClr>
-                </a:solidFill>
-                <a:latin typeface="American Typewriter" panose="02090604020004020304" pitchFamily="18" charset="77"/>
-              </a:rPr>
-              <a:t>1</a:t>
-            </a:r>
-            <a:r>
-              <a:rPr lang="en-US" dirty="0">
-                <a:latin typeface="American Typewriter" panose="02090604020004020304" pitchFamily="18" charset="77"/>
-              </a:rPr>
-              <a:t> </a:t>
-            </a:r>
-            <a:r>
-              <a:rPr lang="en-US" dirty="0">
-                <a:solidFill>
-                  <a:srgbClr val="8DD8F6"/>
-                </a:solidFill>
-                <a:latin typeface="American Typewriter" panose="02090604020004020304" pitchFamily="18" charset="77"/>
-              </a:rPr>
-              <a:t>CDE                  0.578            0.175           1.91</a:t>
-            </a:r>
-          </a:p>
-          <a:p>
-            <a:r>
-              <a:rPr lang="en-US" dirty="0">
-                <a:solidFill>
-                  <a:schemeClr val="tx1">
-                    <a:lumMod val="50000"/>
-                  </a:schemeClr>
-                </a:solidFill>
-                <a:latin typeface="American Typewriter" panose="02090604020004020304" pitchFamily="18" charset="77"/>
-              </a:rPr>
-              <a:t>2</a:t>
-            </a:r>
-            <a:r>
-              <a:rPr lang="en-US" dirty="0">
-                <a:latin typeface="American Typewriter" panose="02090604020004020304" pitchFamily="18" charset="77"/>
-              </a:rPr>
-              <a:t> </a:t>
-            </a:r>
-            <a:r>
-              <a:rPr lang="en-US" dirty="0">
-                <a:solidFill>
-                  <a:srgbClr val="8DD8F6"/>
-                </a:solidFill>
-                <a:latin typeface="American Typewriter" panose="02090604020004020304" pitchFamily="18" charset="77"/>
-              </a:rPr>
-              <a:t>NDE                  0.629            0.266           1.49</a:t>
-            </a:r>
-          </a:p>
-          <a:p>
-            <a:r>
-              <a:rPr lang="en-US" dirty="0">
-                <a:solidFill>
-                  <a:schemeClr val="tx1">
-                    <a:lumMod val="50000"/>
-                  </a:schemeClr>
-                </a:solidFill>
-                <a:latin typeface="American Typewriter" panose="02090604020004020304" pitchFamily="18" charset="77"/>
-              </a:rPr>
-              <a:t>3</a:t>
-            </a:r>
-            <a:r>
-              <a:rPr lang="en-US" dirty="0">
-                <a:latin typeface="American Typewriter" panose="02090604020004020304" pitchFamily="18" charset="77"/>
-              </a:rPr>
-              <a:t> </a:t>
-            </a:r>
-            <a:r>
-              <a:rPr lang="en-US" dirty="0">
-                <a:solidFill>
-                  <a:srgbClr val="8DD8F6"/>
-                </a:solidFill>
-                <a:latin typeface="American Typewriter" panose="02090604020004020304" pitchFamily="18" charset="77"/>
-              </a:rPr>
-              <a:t>NIE                  1.00             0.906           1.11</a:t>
-            </a:r>
-          </a:p>
-          <a:p>
-            <a:r>
-              <a:rPr lang="en-US" dirty="0">
-                <a:solidFill>
-                  <a:schemeClr val="tx1">
-                    <a:lumMod val="50000"/>
-                  </a:schemeClr>
-                </a:solidFill>
-                <a:latin typeface="American Typewriter" panose="02090604020004020304" pitchFamily="18" charset="77"/>
-              </a:rPr>
-              <a:t>4</a:t>
-            </a:r>
-            <a:r>
-              <a:rPr lang="en-US" dirty="0">
-                <a:latin typeface="American Typewriter" panose="02090604020004020304" pitchFamily="18" charset="77"/>
-              </a:rPr>
-              <a:t> </a:t>
-            </a:r>
-            <a:r>
-              <a:rPr lang="en-US" dirty="0">
-                <a:solidFill>
-                  <a:srgbClr val="8DD8F6"/>
-                </a:solidFill>
-                <a:latin typeface="American Typewriter" panose="02090604020004020304" pitchFamily="18" charset="77"/>
-              </a:rPr>
-              <a:t>Total Effect         0.631            0.267           1.49</a:t>
-            </a:r>
-          </a:p>
-          <a:p>
-            <a:r>
-              <a:rPr lang="en-US" dirty="0">
-                <a:solidFill>
-                  <a:schemeClr val="tx1">
-                    <a:lumMod val="50000"/>
-                  </a:schemeClr>
-                </a:solidFill>
-                <a:latin typeface="American Typewriter" panose="02090604020004020304" pitchFamily="18" charset="77"/>
-              </a:rPr>
-              <a:t>5</a:t>
-            </a:r>
-            <a:r>
-              <a:rPr lang="en-US" dirty="0">
-                <a:solidFill>
-                  <a:srgbClr val="8DD8F6"/>
-                </a:solidFill>
-                <a:latin typeface="American Typewriter" panose="02090604020004020304" pitchFamily="18" charset="77"/>
-              </a:rPr>
-              <a:t> Proportion Mediated -0.00491         NA              NA</a:t>
-            </a:r>
-          </a:p>
-          <a:p>
-            <a:r>
-              <a:rPr lang="en-US" dirty="0">
-                <a:solidFill>
-                  <a:srgbClr val="8DD8F6"/>
-                </a:solidFill>
-                <a:latin typeface="American Typewriter" panose="02090604020004020304" pitchFamily="18" charset="77"/>
-              </a:rPr>
-              <a:t> </a:t>
-            </a:r>
-            <a:endParaRPr kumimoji="0" lang="en-US" b="1" i="0" u="none" strike="noStrike" cap="none" spc="0" normalizeH="0" baseline="0" dirty="0">
-              <a:ln>
-                <a:noFill/>
-              </a:ln>
-              <a:solidFill>
-                <a:srgbClr val="8DD8F6"/>
-              </a:solidFill>
-              <a:effectLst/>
-              <a:uFillTx/>
-              <a:latin typeface="American Typewriter" panose="02090604020004020304" pitchFamily="18" charset="77"/>
-              <a:sym typeface="Source Sans Pro"/>
-            </a:endParaRPr>
+              </a:rPr>
+              <a:t>5 Proportion Mediated    0.244         NA              NA </a:t>
+            </a:r>
           </a:p>
         </p:txBody>
       </p:sp>
@@ -5899,7 +5592,7 @@
         </p:nvCxnSpPr>
         <p:spPr>
           <a:xfrm>
-            <a:off x="4817050" y="5392043"/>
+            <a:off x="4817050" y="5506343"/>
             <a:ext cx="4361452" cy="0"/>
           </a:xfrm>
           <a:prstGeom prst="line">
@@ -5943,8 +5636,8 @@
         </p:nvSpPr>
         <p:spPr>
           <a:xfrm>
-            <a:off x="9371121" y="1760545"/>
-            <a:ext cx="4343400" cy="3285434"/>
+            <a:off x="9389172" y="1802220"/>
+            <a:ext cx="4343400" cy="3890728"/>
           </a:xfrm>
           <a:prstGeom prst="rect">
             <a:avLst/>
@@ -6289,7 +5982,63 @@
                 </a:solidFill>
                 <a:latin typeface="Franklin Gothic Book" panose="020B0503020102020204" pitchFamily="34" charset="0"/>
               </a:rPr>
-              <a:t>= 0, the Delta method for calculating confidence intervals is used. Default = 0,</a:t>
+              <a:t>= 0, the Delta method for calculating confidence intervals is used. Default = 0</a:t>
+            </a:r>
+          </a:p>
+          <a:p>
+            <a:pPr marR="0" algn="ctr" defTabSz="584200" rtl="0" fontAlgn="auto" latinLnBrk="0" hangingPunct="0">
+              <a:lnSpc>
+                <a:spcPct val="100000"/>
+              </a:lnSpc>
+              <a:spcBef>
+                <a:spcPts val="200"/>
+              </a:spcBef>
+              <a:spcAft>
+                <a:spcPts val="0"/>
+              </a:spcAft>
+              <a:buClrTx/>
+              <a:buSzTx/>
+              <a:tabLst/>
+            </a:pPr>
+            <a:r>
+              <a:rPr lang="en-US" dirty="0" err="1">
+                <a:solidFill>
+                  <a:srgbClr val="8DD8F6"/>
+                </a:solidFill>
+                <a:latin typeface="Franklin Gothic Book" panose="020B0503020102020204" pitchFamily="34" charset="0"/>
+              </a:rPr>
+              <a:t>pm_ci</a:t>
+            </a:r>
+            <a:endParaRPr lang="en-US" dirty="0">
+              <a:solidFill>
+                <a:srgbClr val="8DD8F6"/>
+              </a:solidFill>
+              <a:latin typeface="Franklin Gothic Book" panose="020B0503020102020204" pitchFamily="34" charset="0"/>
+            </a:endParaRPr>
+          </a:p>
+          <a:p>
+            <a:pPr marR="0" defTabSz="584200" rtl="0" fontAlgn="auto" latinLnBrk="0" hangingPunct="0">
+              <a:lnSpc>
+                <a:spcPct val="100000"/>
+              </a:lnSpc>
+              <a:spcBef>
+                <a:spcPts val="200"/>
+              </a:spcBef>
+              <a:spcAft>
+                <a:spcPts val="0"/>
+              </a:spcAft>
+              <a:buClrTx/>
+              <a:buSzTx/>
+              <a:tabLst/>
+            </a:pPr>
+            <a:r>
+              <a:rPr lang="en-US" dirty="0">
+                <a:solidFill>
+                  <a:schemeClr val="tx1"/>
+                </a:solidFill>
+                <a:latin typeface="Franklin Gothic Book" panose="020B0503020102020204" pitchFamily="34" charset="0"/>
+              </a:rPr>
+              <a:t>Logical indicator for calculating the CI for the proportion mediated. Default = FALSE. </a:t>
             </a:r>
           </a:p>
         </p:txBody>
@@ -6352,7 +6101,7 @@
         </p:nvSpPr>
         <p:spPr>
           <a:xfrm>
-            <a:off x="9371120" y="5180599"/>
+            <a:off x="9371120" y="5869243"/>
             <a:ext cx="4307297" cy="2049198"/>
           </a:xfrm>
           <a:prstGeom prst="rect">
@@ -6550,7 +6299,7 @@
         </p:nvCxnSpPr>
         <p:spPr>
           <a:xfrm>
-            <a:off x="9371120" y="5724058"/>
+            <a:off x="9389172" y="6375964"/>
             <a:ext cx="4361452" cy="0"/>
           </a:xfrm>
           <a:prstGeom prst="line">
@@ -6594,7 +6343,7 @@
         </p:nvSpPr>
         <p:spPr>
           <a:xfrm>
-            <a:off x="9403899" y="7364417"/>
+            <a:off x="9371120" y="8050195"/>
             <a:ext cx="4295893" cy="2126142"/>
           </a:xfrm>
           <a:prstGeom prst="rect">
@@ -6839,7 +6588,7 @@
         </p:nvCxnSpPr>
         <p:spPr>
           <a:xfrm>
-            <a:off x="9362095" y="7901201"/>
+            <a:off x="9389172" y="8663123"/>
             <a:ext cx="4361452" cy="0"/>
           </a:xfrm>
           <a:prstGeom prst="line">
